--- a/Complimentary Course Content/Module6/Lessons/Module6_Lesson7 Azure Notification Hub.pptx
+++ b/Complimentary Course Content/Module6/Lessons/Module6_Lesson7 Azure Notification Hub.pptx
@@ -159,7 +159,7 @@
       </p14:sectionLst>
     </p:ext>
     <p:ext uri="{EFAFB233-063F-42B5-8137-9DF3F51BA10A}">
-      <p15:sldGuideLst xmlns:p15="http://schemas.microsoft.com/office/powerpoint/2012/main" xmlns="">
+      <p15:sldGuideLst xmlns="" xmlns:p15="http://schemas.microsoft.com/office/powerpoint/2012/main">
         <p15:guide id="1" orient="horz" pos="2137" userDrawn="1">
           <p15:clr>
             <a:srgbClr val="A4A3A4"/>
@@ -173,7 +173,7 @@
       </p15:sldGuideLst>
     </p:ext>
     <p:ext uri="{2D200454-40CA-4A62-9FC3-DE9A4176ACB9}">
-      <p15:notesGuideLst xmlns:p15="http://schemas.microsoft.com/office/powerpoint/2012/main" xmlns=""/>
+      <p15:notesGuideLst xmlns="" xmlns:p15="http://schemas.microsoft.com/office/powerpoint/2012/main"/>
     </p:ext>
   </p:extLst>
 </p:presentation>
@@ -184,50 +184,6 @@
   <p:cmAuthor id="0" name="Mary Kate Reid" initials="" lastIdx="11" clrIdx="0"/>
   <p:cmAuthor id="1" name="Gavin Gear" initials="GG" lastIdx="3" clrIdx="1"/>
 </p:cmAuthorLst>
-</file>
-
-<file path=ppt/comments/comment1.xml><?xml version="1.0" encoding="utf-8"?>
-<p:cmLst xmlns:a="http://schemas.openxmlformats.org/drawingml/2006/main" xmlns:r="http://schemas.openxmlformats.org/officeDocument/2006/relationships" xmlns:p="http://schemas.openxmlformats.org/presentationml/2006/main">
-  <p:cm authorId="0" dt="2016-06-15T11:43:39.453" idx="8">
-    <p:pos x="0" y="0"/>
-    <p:text>Following this slide with another about why students should care about Azure NOtification Hub.
-I think that slides 13 and 14 do a pretty good job of answering the why, but a higher level version of them (13 &amp; 14) following this slide would be beneficial.</p:text>
-  </p:cm>
-</p:cmLst>
-</file>
-
-<file path=ppt/comments/comment2.xml><?xml version="1.0" encoding="utf-8"?>
-<p:cmLst xmlns:a="http://schemas.openxmlformats.org/drawingml/2006/main" xmlns:r="http://schemas.openxmlformats.org/officeDocument/2006/relationships" xmlns:p="http://schemas.openxmlformats.org/presentationml/2006/main">
-  <p:cm authorId="0" dt="2016-06-15T11:50:25.447" idx="9">
-    <p:pos x="18" y="19"/>
-    <p:text>I will redraw these graphics... I just need to get a copy of 3 of the images:
--platform notification services
--app back-end
--notification hub
-</p:text>
-  </p:cm>
-</p:cmLst>
-</file>
-
-<file path=ppt/comments/comment3.xml><?xml version="1.0" encoding="utf-8"?>
-<p:cmLst xmlns:a="http://schemas.openxmlformats.org/drawingml/2006/main" xmlns:r="http://schemas.openxmlformats.org/officeDocument/2006/relationships" xmlns:p="http://schemas.openxmlformats.org/presentationml/2006/main">
-  <p:cm authorId="0" dt="2016-06-15T11:51:11.855" idx="10">
-    <p:pos x="10" y="10"/>
-    <p:text>I will redraw this graphics... I just need to get a copy of 3 of the images:
--app back-end
--service-bus notification hub
-</p:text>
-  </p:cm>
-</p:cmLst>
-</file>
-
-<file path=ppt/comments/comment4.xml><?xml version="1.0" encoding="utf-8"?>
-<p:cmLst xmlns:a="http://schemas.openxmlformats.org/drawingml/2006/main" xmlns:r="http://schemas.openxmlformats.org/officeDocument/2006/relationships" xmlns:p="http://schemas.openxmlformats.org/presentationml/2006/main">
-  <p:cm authorId="0" dt="2016-06-15T11:51:35.222" idx="11">
-    <p:pos x="10" y="10"/>
-    <p:text>I will redraw this guy as well</p:text>
-  </p:cm>
-</p:cmLst>
 </file>
 
 <file path=ppt/handoutMasters/handoutMaster1.xml><?xml version="1.0" encoding="utf-8"?>
@@ -313,7 +269,7 @@
             <a:fld id="{30A74B2F-3EEF-410A-B738-5B66A46A3256}" type="datetimeFigureOut">
               <a:rPr lang="en-US" smtClean="0"/>
               <a:pPr/>
-              <a:t>6/15/16</a:t>
+              <a:t>7/7/16</a:t>
             </a:fld>
             <a:endParaRPr lang="en-US"/>
           </a:p>
@@ -480,7 +436,7 @@
             <a:fld id="{2E5CA586-3557-4985-BCD4-35EF5AC8B4A4}" type="datetimeFigureOut">
               <a:rPr lang="en-US" smtClean="0"/>
               <a:pPr/>
-              <a:t>6/15/16</a:t>
+              <a:t>7/7/16</a:t>
             </a:fld>
             <a:endParaRPr lang="en-US"/>
           </a:p>
@@ -11580,7 +11536,7 @@
                 <a:latin typeface="Segoe UI"/>
               </a:rPr>
               <a:pPr/>
-              <a:t>6/15/16</a:t>
+              <a:t>7/7/16</a:t>
             </a:fld>
             <a:endParaRPr lang="en-US">
               <a:solidFill>
@@ -11785,7 +11741,7 @@
                 <a:latin typeface="Segoe UI"/>
               </a:rPr>
               <a:pPr/>
-              <a:t>6/15/16</a:t>
+              <a:t>7/7/16</a:t>
             </a:fld>
             <a:endParaRPr lang="en-US">
               <a:solidFill>
@@ -12083,7 +12039,7 @@
                 <a:latin typeface="Segoe UI"/>
               </a:rPr>
               <a:pPr/>
-              <a:t>6/15/16</a:t>
+              <a:t>7/7/16</a:t>
             </a:fld>
             <a:endParaRPr lang="en-US">
               <a:solidFill>
@@ -12427,7 +12383,7 @@
                 <a:latin typeface="Segoe UI"/>
               </a:rPr>
               <a:pPr/>
-              <a:t>6/15/16</a:t>
+              <a:t>7/7/16</a:t>
             </a:fld>
             <a:endParaRPr lang="en-US">
               <a:solidFill>
@@ -12802,7 +12758,7 @@
                 <a:latin typeface="Segoe UI"/>
               </a:rPr>
               <a:pPr/>
-              <a:t>6/15/16</a:t>
+              <a:t>7/7/16</a:t>
             </a:fld>
             <a:endParaRPr lang="en-US">
               <a:solidFill>
@@ -14113,7 +14069,7 @@
                 <a:latin typeface="Segoe UI"/>
               </a:rPr>
               <a:pPr/>
-              <a:t>6/15/16</a:t>
+              <a:t>7/7/16</a:t>
             </a:fld>
             <a:endParaRPr lang="en-US">
               <a:solidFill>
@@ -14514,7 +14470,7 @@
                 <a:latin typeface="Segoe UI"/>
               </a:rPr>
               <a:pPr/>
-              <a:t>6/15/16</a:t>
+              <a:t>7/7/16</a:t>
             </a:fld>
             <a:endParaRPr lang="en-US">
               <a:solidFill>
@@ -14668,7 +14624,7 @@
                 <a:latin typeface="Segoe UI"/>
               </a:rPr>
               <a:pPr/>
-              <a:t>6/15/16</a:t>
+              <a:t>7/7/16</a:t>
             </a:fld>
             <a:endParaRPr lang="en-US">
               <a:solidFill>
@@ -14800,7 +14756,7 @@
                 <a:latin typeface="Segoe UI"/>
               </a:rPr>
               <a:pPr/>
-              <a:t>6/15/16</a:t>
+              <a:t>7/7/16</a:t>
             </a:fld>
             <a:endParaRPr lang="en-US">
               <a:solidFill>
@@ -15112,7 +15068,7 @@
                 <a:latin typeface="Segoe UI"/>
               </a:rPr>
               <a:pPr/>
-              <a:t>6/15/16</a:t>
+              <a:t>7/7/16</a:t>
             </a:fld>
             <a:endParaRPr lang="en-US">
               <a:solidFill>
@@ -15401,7 +15357,7 @@
                 <a:latin typeface="Segoe UI"/>
               </a:rPr>
               <a:pPr/>
-              <a:t>6/15/16</a:t>
+              <a:t>7/7/16</a:t>
             </a:fld>
             <a:endParaRPr lang="en-US">
               <a:solidFill>
@@ -15606,7 +15562,7 @@
                 <a:latin typeface="Segoe UI"/>
               </a:rPr>
               <a:pPr/>
-              <a:t>6/15/16</a:t>
+              <a:t>7/7/16</a:t>
             </a:fld>
             <a:endParaRPr lang="en-US">
               <a:solidFill>
@@ -15821,7 +15777,7 @@
                 <a:latin typeface="Segoe UI"/>
               </a:rPr>
               <a:pPr/>
-              <a:t>6/15/16</a:t>
+              <a:t>7/7/16</a:t>
             </a:fld>
             <a:endParaRPr lang="en-US">
               <a:solidFill>
@@ -16064,7 +16020,7 @@
                 <a:latin typeface="Segoe UI"/>
               </a:rPr>
               <a:pPr/>
-              <a:t>6/15/16</a:t>
+              <a:t>7/7/16</a:t>
             </a:fld>
             <a:endParaRPr lang="en-US">
               <a:solidFill>
@@ -16269,7 +16225,7 @@
                 <a:latin typeface="Segoe UI"/>
               </a:rPr>
               <a:pPr/>
-              <a:t>6/15/16</a:t>
+              <a:t>7/7/16</a:t>
             </a:fld>
             <a:endParaRPr lang="en-US">
               <a:solidFill>
@@ -17024,7 +16980,7 @@
                 <a:latin typeface="Segoe UI"/>
               </a:rPr>
               <a:pPr/>
-              <a:t>6/15/16</a:t>
+              <a:t>7/7/16</a:t>
             </a:fld>
             <a:endParaRPr lang="en-US">
               <a:solidFill>
@@ -17368,7 +17324,7 @@
                 <a:latin typeface="Segoe UI"/>
               </a:rPr>
               <a:pPr/>
-              <a:t>6/15/16</a:t>
+              <a:t>7/7/16</a:t>
             </a:fld>
             <a:endParaRPr lang="en-US">
               <a:solidFill>
@@ -17743,7 +17699,7 @@
                 <a:latin typeface="Segoe UI"/>
               </a:rPr>
               <a:pPr/>
-              <a:t>6/15/16</a:t>
+              <a:t>7/7/16</a:t>
             </a:fld>
             <a:endParaRPr lang="en-US">
               <a:solidFill>
@@ -18687,7 +18643,7 @@
                 <a:latin typeface="Segoe UI"/>
               </a:rPr>
               <a:pPr/>
-              <a:t>6/15/16</a:t>
+              <a:t>7/7/16</a:t>
             </a:fld>
             <a:endParaRPr lang="en-US">
               <a:solidFill>
@@ -19088,7 +19044,7 @@
                 <a:latin typeface="Segoe UI"/>
               </a:rPr>
               <a:pPr/>
-              <a:t>6/15/16</a:t>
+              <a:t>7/7/16</a:t>
             </a:fld>
             <a:endParaRPr lang="en-US">
               <a:solidFill>
@@ -19242,7 +19198,7 @@
                 <a:latin typeface="Segoe UI"/>
               </a:rPr>
               <a:pPr/>
-              <a:t>6/15/16</a:t>
+              <a:t>7/7/16</a:t>
             </a:fld>
             <a:endParaRPr lang="en-US">
               <a:solidFill>
@@ -19374,7 +19330,7 @@
                 <a:latin typeface="Segoe UI"/>
               </a:rPr>
               <a:pPr/>
-              <a:t>6/15/16</a:t>
+              <a:t>7/7/16</a:t>
             </a:fld>
             <a:endParaRPr lang="en-US">
               <a:solidFill>
@@ -20249,7 +20205,7 @@
                 <a:latin typeface="Segoe UI"/>
               </a:rPr>
               <a:pPr/>
-              <a:t>6/15/16</a:t>
+              <a:t>7/7/16</a:t>
             </a:fld>
             <a:endParaRPr lang="en-US">
               <a:solidFill>
@@ -20538,7 +20494,7 @@
                 <a:latin typeface="Segoe UI"/>
               </a:rPr>
               <a:pPr/>
-              <a:t>6/15/16</a:t>
+              <a:t>7/7/16</a:t>
             </a:fld>
             <a:endParaRPr lang="en-US">
               <a:solidFill>
@@ -20743,7 +20699,7 @@
                 <a:latin typeface="Segoe UI"/>
               </a:rPr>
               <a:pPr/>
-              <a:t>6/15/16</a:t>
+              <a:t>7/7/16</a:t>
             </a:fld>
             <a:endParaRPr lang="en-US">
               <a:solidFill>
@@ -20958,7 +20914,7 @@
                 <a:latin typeface="Segoe UI"/>
               </a:rPr>
               <a:pPr/>
-              <a:t>6/15/16</a:t>
+              <a:t>7/7/16</a:t>
             </a:fld>
             <a:endParaRPr lang="en-US">
               <a:solidFill>
@@ -22643,7 +22599,7 @@
                 <a:latin typeface="Segoe UI"/>
               </a:rPr>
               <a:pPr/>
-              <a:t>6/15/16</a:t>
+              <a:t>7/7/16</a:t>
             </a:fld>
             <a:endParaRPr lang="en-US">
               <a:solidFill>
@@ -23223,7 +23179,7 @@
                 <a:latin typeface="Segoe UI"/>
               </a:rPr>
               <a:pPr/>
-              <a:t>6/15/16</a:t>
+              <a:t>7/7/16</a:t>
             </a:fld>
             <a:endParaRPr lang="en-US">
               <a:solidFill>
@@ -25771,7 +25727,7 @@
           <p:nvPr>
             <p:extLst>
               <p:ext uri="{D42A27DB-BD31-4B8C-83A1-F6EECF244321}">
-                <p14:modId xmlns:p14="http://schemas.microsoft.com/office/powerpoint/2010/main" val="2836494021"/>
+                <p14:modId xmlns:p14="http://schemas.microsoft.com/office/powerpoint/2010/main" val="2968688825"/>
               </p:ext>
             </p:extLst>
           </p:nvPr>
@@ -25790,14 +25746,14 @@
                 <a:gridCol w="4379175">
                   <a:extLst>
                     <a:ext uri="{9D8B030D-6E8A-4147-A177-3AD203B41FA5}">
-                      <a16:colId xmlns="" xmlns:a16="http://schemas.microsoft.com/office/drawing/2014/main" val="48614039"/>
+                      <a16:colId xmlns:a16="http://schemas.microsoft.com/office/drawing/2014/main" xmlns="" val="48614039"/>
                     </a:ext>
                   </a:extLst>
                 </a:gridCol>
                 <a:gridCol w="4379175">
                   <a:extLst>
                     <a:ext uri="{9D8B030D-6E8A-4147-A177-3AD203B41FA5}">
-                      <a16:colId xmlns="" xmlns:a16="http://schemas.microsoft.com/office/drawing/2014/main" val="1124546490"/>
+                      <a16:colId xmlns:a16="http://schemas.microsoft.com/office/drawing/2014/main" xmlns="" val="1124546490"/>
                     </a:ext>
                   </a:extLst>
                 </a:gridCol>
@@ -25810,14 +25766,14 @@
                     <a:p>
                       <a:pPr algn="ctr"/>
                       <a:r>
-                        <a:rPr lang="en-US" sz="2000" b="0" dirty="0" smtClean="0">
+                        <a:rPr lang="en-US" sz="2000" b="1" dirty="0" smtClean="0">
                           <a:solidFill>
                             <a:schemeClr val="bg1"/>
                           </a:solidFill>
                         </a:rPr>
                         <a:t>Delivery Platform</a:t>
                       </a:r>
-                      <a:endParaRPr lang="en-US" sz="2000" b="0" dirty="0">
+                      <a:endParaRPr lang="en-US" sz="2000" b="1" dirty="0">
                         <a:solidFill>
                           <a:schemeClr val="bg1"/>
                         </a:solidFill>
@@ -25859,7 +25815,7 @@
                 </a:tc>
                 <a:extLst>
                   <a:ext uri="{0D108BD9-81ED-4DB2-BD59-A6C34878D82A}">
-                    <a16:rowId xmlns="" xmlns:a16="http://schemas.microsoft.com/office/drawing/2014/main" val="679667022"/>
+                    <a16:rowId xmlns:a16="http://schemas.microsoft.com/office/drawing/2014/main" xmlns="" val="679667022"/>
                   </a:ext>
                 </a:extLst>
               </a:tr>
@@ -25871,10 +25827,10 @@
                     <a:p>
                       <a:pPr algn="l"/>
                       <a:r>
-                        <a:rPr lang="en-US" sz="2000" b="0" dirty="0" smtClean="0"/>
+                        <a:rPr lang="en-US" sz="2000" b="1" dirty="0" smtClean="0"/>
                         <a:t>Broadcast</a:t>
                       </a:r>
-                      <a:endParaRPr lang="en-US" sz="2000" b="0" dirty="0"/>
+                      <a:endParaRPr lang="en-US" sz="2000" b="1" dirty="0"/>
                     </a:p>
                   </a:txBody>
                   <a:tcPr>
@@ -25908,7 +25864,7 @@
                 </a:tc>
                 <a:extLst>
                   <a:ext uri="{0D108BD9-81ED-4DB2-BD59-A6C34878D82A}">
-                    <a16:rowId xmlns="" xmlns:a16="http://schemas.microsoft.com/office/drawing/2014/main" val="2034482246"/>
+                    <a16:rowId xmlns:a16="http://schemas.microsoft.com/office/drawing/2014/main" xmlns="" val="2034482246"/>
                   </a:ext>
                 </a:extLst>
               </a:tr>
@@ -25920,10 +25876,10 @@
                     <a:p>
                       <a:pPr algn="l"/>
                       <a:r>
-                        <a:rPr lang="en-US" sz="2000" dirty="0" smtClean="0"/>
+                        <a:rPr lang="en-US" sz="2000" b="1" dirty="0" smtClean="0"/>
                         <a:t>Unicast/Multicast</a:t>
                       </a:r>
-                      <a:endParaRPr lang="en-US" sz="2000" dirty="0"/>
+                      <a:endParaRPr lang="en-US" sz="2000" b="1" dirty="0"/>
                     </a:p>
                   </a:txBody>
                   <a:tcPr>
@@ -25961,7 +25917,7 @@
                 </a:tc>
                 <a:extLst>
                   <a:ext uri="{0D108BD9-81ED-4DB2-BD59-A6C34878D82A}">
-                    <a16:rowId xmlns="" xmlns:a16="http://schemas.microsoft.com/office/drawing/2014/main" val="682465758"/>
+                    <a16:rowId xmlns:a16="http://schemas.microsoft.com/office/drawing/2014/main" xmlns="" val="682465758"/>
                   </a:ext>
                 </a:extLst>
               </a:tr>
@@ -25973,10 +25929,10 @@
                     <a:p>
                       <a:pPr algn="l"/>
                       <a:r>
-                        <a:rPr lang="en-US" sz="2000" dirty="0" smtClean="0"/>
+                        <a:rPr lang="en-US" sz="2000" b="1" dirty="0" smtClean="0"/>
                         <a:t>Segmentation</a:t>
                       </a:r>
-                      <a:endParaRPr lang="en-US" sz="2000" dirty="0"/>
+                      <a:endParaRPr lang="en-US" sz="2000" b="1" dirty="0"/>
                     </a:p>
                   </a:txBody>
                   <a:tcPr>
@@ -26014,7 +25970,7 @@
                 </a:tc>
                 <a:extLst>
                   <a:ext uri="{0D108BD9-81ED-4DB2-BD59-A6C34878D82A}">
-                    <a16:rowId xmlns="" xmlns:a16="http://schemas.microsoft.com/office/drawing/2014/main" val="4230228483"/>
+                    <a16:rowId xmlns:a16="http://schemas.microsoft.com/office/drawing/2014/main" xmlns="" val="4230228483"/>
                   </a:ext>
                 </a:extLst>
               </a:tr>
@@ -31603,7 +31559,7 @@
   <a:extraClrSchemeLst/>
   <a:extLst>
     <a:ext uri="{05A4C25C-085E-4340-85A3-A5531E510DB2}">
-      <thm15:themeFamily xmlns:thm15="http://schemas.microsoft.com/office/thememl/2012/main" xmlns="" name="Azure4ResearchTemplate" id="{DD1C6CE8-BDBA-0D4F-9930-3643ABC8EF0E}" vid="{B5C66FD7-0952-994B-96D6-AB3BB89097FE}"/>
+      <thm15:themeFamily xmlns="" xmlns:thm15="http://schemas.microsoft.com/office/thememl/2012/main" name="Azure4ResearchTemplate" id="{DD1C6CE8-BDBA-0D4F-9930-3643ABC8EF0E}" vid="{B5C66FD7-0952-994B-96D6-AB3BB89097FE}"/>
     </a:ext>
   </a:extLst>
 </a:theme>
@@ -31872,7 +31828,7 @@
   <a:extraClrSchemeLst/>
   <a:extLst>
     <a:ext uri="{05A4C25C-085E-4340-85A3-A5531E510DB2}">
-      <thm15:themeFamily xmlns:thm15="http://schemas.microsoft.com/office/thememl/2012/main" xmlns="" name="Office Theme" id="{62F939B6-93AF-4DB8-9C6B-D6C7DFDC589F}" vid="{4A3C46E8-61CC-4603-A589-7422A47A8E4A}"/>
+      <thm15:themeFamily xmlns="" xmlns:thm15="http://schemas.microsoft.com/office/thememl/2012/main" name="Office Theme" id="{62F939B6-93AF-4DB8-9C6B-D6C7DFDC589F}" vid="{4A3C46E8-61CC-4603-A589-7422A47A8E4A}"/>
     </a:ext>
   </a:extLst>
 </a:theme>
@@ -32141,7 +32097,7 @@
   <a:extraClrSchemeLst/>
   <a:extLst>
     <a:ext uri="{05A4C25C-085E-4340-85A3-A5531E510DB2}">
-      <thm15:themeFamily xmlns:thm15="http://schemas.microsoft.com/office/thememl/2012/main" xmlns="" name="Office Theme" id="{62F939B6-93AF-4DB8-9C6B-D6C7DFDC589F}" vid="{4A3C46E8-61CC-4603-A589-7422A47A8E4A}"/>
+      <thm15:themeFamily xmlns="" xmlns:thm15="http://schemas.microsoft.com/office/thememl/2012/main" name="Office Theme" id="{62F939B6-93AF-4DB8-9C6B-D6C7DFDC589F}" vid="{4A3C46E8-61CC-4603-A589-7422A47A8E4A}"/>
     </a:ext>
   </a:extLst>
 </a:theme>
@@ -32402,7 +32358,7 @@
   <a:extraClrSchemeLst/>
   <a:extLst>
     <a:ext uri="{05A4C25C-085E-4340-85A3-A5531E510DB2}">
-      <thm15:themeFamily xmlns:thm15="http://schemas.microsoft.com/office/thememl/2012/main" xmlns="" name="Office Theme" id="{62F939B6-93AF-4DB8-9C6B-D6C7DFDC589F}" vid="{4A3C46E8-61CC-4603-A589-7422A47A8E4A}"/>
+      <thm15:themeFamily xmlns="" xmlns:thm15="http://schemas.microsoft.com/office/thememl/2012/main" name="Office Theme" id="{62F939B6-93AF-4DB8-9C6B-D6C7DFDC589F}" vid="{4A3C46E8-61CC-4603-A589-7422A47A8E4A}"/>
     </a:ext>
   </a:extLst>
 </a:theme>
@@ -32697,7 +32653,7 @@
   <a:extraClrSchemeLst/>
   <a:extLst>
     <a:ext uri="{05A4C25C-085E-4340-85A3-A5531E510DB2}">
-      <thm15:themeFamily xmlns:thm15="http://schemas.microsoft.com/office/thememl/2012/main" xmlns="" name="Office Theme" id="{62F939B6-93AF-4DB8-9C6B-D6C7DFDC589F}" vid="{4A3C46E8-61CC-4603-A589-7422A47A8E4A}"/>
+      <thm15:themeFamily xmlns="" xmlns:thm15="http://schemas.microsoft.com/office/thememl/2012/main" name="Office Theme" id="{62F939B6-93AF-4DB8-9C6B-D6C7DFDC589F}" vid="{4A3C46E8-61CC-4603-A589-7422A47A8E4A}"/>
     </a:ext>
   </a:extLst>
 </a:theme>
